--- a/2019系统仿真-18- 协流.pptx
+++ b/2019系统仿真-18- 协流.pptx
@@ -8304,6 +8304,36 @@
           </a:prstGeom>
         </p:spPr>
       </p:pic>
+      <p:pic>
+        <p:nvPicPr>
+          <p:cNvPr id="6" name="图片 5">
+            <a:extLst>
+              <a:ext uri="{FF2B5EF4-FFF2-40B4-BE49-F238E27FC236}">
+                <a16:creationId xmlns:a16="http://schemas.microsoft.com/office/drawing/2014/main" id="{519DA484-B67E-9F47-9553-AC355581FA20}"/>
+              </a:ext>
+            </a:extLst>
+          </p:cNvPr>
+          <p:cNvPicPr>
+            <a:picLocks noChangeAspect="1"/>
+          </p:cNvPicPr>
+          <p:nvPr/>
+        </p:nvPicPr>
+        <p:blipFill>
+          <a:blip r:link="rId3"/>
+          <a:stretch>
+            <a:fillRect/>
+          </a:stretch>
+        </p:blipFill>
+        <p:spPr>
+          <a:xfrm>
+            <a:off x="1270000" y="1270000"/>
+            <a:ext cx="63500" cy="76200"/>
+          </a:xfrm>
+          <a:prstGeom prst="rect">
+            <a:avLst/>
+          </a:prstGeom>
+        </p:spPr>
+      </p:pic>
     </p:spTree>
     <p:extLst>
       <p:ext uri="{BB962C8B-B14F-4D97-AF65-F5344CB8AC3E}">
@@ -9163,7 +9193,7 @@
           <a:graphicData uri="http://schemas.openxmlformats.org/presentationml/2006/ole">
             <mc:AlternateContent xmlns:mc="http://schemas.openxmlformats.org/markup-compatibility/2006">
               <mc:Choice xmlns:v="urn:schemas-microsoft-com:vml" Requires="v">
-                <p:oleObj spid="_x0000_s2067" name="Equation" r:id="rId4" imgW="1498320" imgH="914400" progId="Equation.DSMT4">
+                <p:oleObj spid="_x0000_s2068" name="Equation" r:id="rId4" imgW="1498320" imgH="914400" progId="Equation.DSMT4">
                   <p:embed/>
                 </p:oleObj>
               </mc:Choice>
@@ -13759,29 +13789,23 @@
 
 <file path=customXml/item1.xml><?xml version="1.0" encoding="utf-8"?>
 <Control xmlns="http://schemas.microsoft.com/VisualStudio/2011/storyboarding/control">
-  <Id Name="System.Storyboarding.Common.DragSelection" Revision="1" Stencil="System.Storyboarding.Common" StencilVersion="0.1"/>
+  <Id Name="System.Storyboarding.Annotation.StickyNote" Revision="1" Stencil="System.Storyboarding.Annotation" StencilVersion="0.1"/>
 </Control>
 </file>
 
 <file path=customXml/item2.xml><?xml version="1.0" encoding="utf-8"?>
 <Control xmlns="http://schemas.microsoft.com/VisualStudio/2011/storyboarding/control">
-  <Id Name="System.Storyboarding.Annotation.StickyNote" Revision="1" Stencil="System.Storyboarding.Annotation" StencilVersion="0.1"/>
+  <Id Name="System.Storyboarding.Common.DragSelection" Revision="1" Stencil="System.Storyboarding.Common" StencilVersion="0.1"/>
 </Control>
 </file>
 
 <file path=customXml/item3.xml><?xml version="1.0" encoding="utf-8"?>
 <Control xmlns="http://schemas.microsoft.com/VisualStudio/2011/storyboarding/control">
-  <Id Name="System.Storyboarding.WindowsApps.WindowsAppsListBox" Revision="1" Stencil="System.Storyboarding.WindowsApps" StencilVersion="0.1"/>
+  <Id Name="5e505f8e-b0aa-429a-bb4c-92ab0e8a8ee6" RevisionId="d2083f08-ba4f-4330-87aa-e4d23a4443d7" Stencil="172d6d98-e5c9-42e9-a209-79f7a94bbd38" StencilRevisionId="00000000-0000-0000-0000-000000000000" StencilVersion="0.0"/>
 </Control>
 </file>
 
 <file path=customXml/item4.xml><?xml version="1.0" encoding="utf-8"?>
-<Control xmlns="http://schemas.microsoft.com/VisualStudio/2011/storyboarding/control">
-  <Id Name="System.Storyboarding.WindowsApps.WindowsAppsProgressRing" Revision="1" Stencil="System.Storyboarding.WindowsApps" StencilVersion="0.1"/>
-</Control>
-</file>
-
-<file path=customXml/item5.xml><?xml version="1.0" encoding="utf-8"?>
 <p:properties xmlns:p="http://schemas.microsoft.com/office/2006/metadata/properties" xmlns:xsi="http://www.w3.org/2001/XMLSchema-instance" xmlns:pc="http://schemas.microsoft.com/office/infopath/2007/PartnerControls">
   <documentManagement>
     <_dlc_DocId xmlns="b4ebf394-daf6-497a-96c5-a2f8c10b38cf">TT6HZDVJM2HV-178-321</_dlc_DocId>
@@ -13793,9 +13817,15 @@
 </p:properties>
 </file>
 
+<file path=customXml/item5.xml><?xml version="1.0" encoding="utf-8"?>
+<Control xmlns="http://schemas.microsoft.com/VisualStudio/2011/storyboarding/control">
+  <Id Name="System.Storyboarding.WindowsApps.WindowsAppsProgressRing" Revision="1" Stencil="System.Storyboarding.WindowsApps" StencilVersion="0.1"/>
+</Control>
+</file>
+
 <file path=customXml/item6.xml><?xml version="1.0" encoding="utf-8"?>
 <Control xmlns="http://schemas.microsoft.com/VisualStudio/2011/storyboarding/control">
-  <Id Name="5e505f8e-b0aa-429a-bb4c-92ab0e8a8ee6" RevisionId="d2083f08-ba4f-4330-87aa-e4d23a4443d7" Stencil="172d6d98-e5c9-42e9-a209-79f7a94bbd38" StencilRevisionId="00000000-0000-0000-0000-000000000000" StencilVersion="0.0"/>
+  <Id Name="System.Storyboarding.WindowsApps.WindowsAppsListBox" Revision="1" Stencil="System.Storyboarding.WindowsApps" StencilVersion="0.1"/>
 </Control>
 </file>
 
@@ -13806,6 +13836,14 @@
 </file>
 
 <file path=customXml/itemProps1.xml><?xml version="1.0" encoding="utf-8"?>
+<ds:datastoreItem xmlns:ds="http://schemas.openxmlformats.org/officeDocument/2006/customXml" ds:itemID="{35CD12A2-2187-402A-B9D9-EF68624DB0B9}">
+  <ds:schemaRefs>
+    <ds:schemaRef ds:uri="http://schemas.microsoft.com/VisualStudio/2011/storyboarding/control"/>
+  </ds:schemaRefs>
+</ds:datastoreItem>
+</file>
+
+<file path=customXml/itemProps2.xml><?xml version="1.0" encoding="utf-8"?>
 <ds:datastoreItem xmlns:ds="http://schemas.openxmlformats.org/officeDocument/2006/customXml" ds:itemID="{74F50758-6994-47AF-ADB4-84074E43B95D}">
   <ds:schemaRefs>
     <ds:schemaRef ds:uri="http://schemas.microsoft.com/VisualStudio/2011/storyboarding/control"/>
@@ -13813,16 +13851,8 @@
 </ds:datastoreItem>
 </file>
 
-<file path=customXml/itemProps2.xml><?xml version="1.0" encoding="utf-8"?>
-<ds:datastoreItem xmlns:ds="http://schemas.openxmlformats.org/officeDocument/2006/customXml" ds:itemID="{35CD12A2-2187-402A-B9D9-EF68624DB0B9}">
-  <ds:schemaRefs>
-    <ds:schemaRef ds:uri="http://schemas.microsoft.com/VisualStudio/2011/storyboarding/control"/>
-  </ds:schemaRefs>
-</ds:datastoreItem>
-</file>
-
 <file path=customXml/itemProps3.xml><?xml version="1.0" encoding="utf-8"?>
-<ds:datastoreItem xmlns:ds="http://schemas.openxmlformats.org/officeDocument/2006/customXml" ds:itemID="{925928FA-66B2-4992-9AF7-6AAB34665E06}">
+<ds:datastoreItem xmlns:ds="http://schemas.openxmlformats.org/officeDocument/2006/customXml" ds:itemID="{22271091-DDCE-44B5-B608-BB96BCA0C299}">
   <ds:schemaRefs>
     <ds:schemaRef ds:uri="http://schemas.microsoft.com/VisualStudio/2011/storyboarding/control"/>
   </ds:schemaRefs>
@@ -13830,14 +13860,6 @@
 </file>
 
 <file path=customXml/itemProps4.xml><?xml version="1.0" encoding="utf-8"?>
-<ds:datastoreItem xmlns:ds="http://schemas.openxmlformats.org/officeDocument/2006/customXml" ds:itemID="{EE994FE8-9D1B-4C75-9803-F4D3D8088B5B}">
-  <ds:schemaRefs>
-    <ds:schemaRef ds:uri="http://schemas.microsoft.com/VisualStudio/2011/storyboarding/control"/>
-  </ds:schemaRefs>
-</ds:datastoreItem>
-</file>
-
-<file path=customXml/itemProps5.xml><?xml version="1.0" encoding="utf-8"?>
 <ds:datastoreItem xmlns:ds="http://schemas.openxmlformats.org/officeDocument/2006/customXml" ds:itemID="{1322E1B6-B69B-4B1E-9F64-FFB1E4A65691}">
   <ds:schemaRefs>
     <ds:schemaRef ds:uri="http://schemas.microsoft.com/office/2006/metadata/properties"/>
@@ -13847,8 +13869,16 @@
 </ds:datastoreItem>
 </file>
 
+<file path=customXml/itemProps5.xml><?xml version="1.0" encoding="utf-8"?>
+<ds:datastoreItem xmlns:ds="http://schemas.openxmlformats.org/officeDocument/2006/customXml" ds:itemID="{EE994FE8-9D1B-4C75-9803-F4D3D8088B5B}">
+  <ds:schemaRefs>
+    <ds:schemaRef ds:uri="http://schemas.microsoft.com/VisualStudio/2011/storyboarding/control"/>
+  </ds:schemaRefs>
+</ds:datastoreItem>
+</file>
+
 <file path=customXml/itemProps6.xml><?xml version="1.0" encoding="utf-8"?>
-<ds:datastoreItem xmlns:ds="http://schemas.openxmlformats.org/officeDocument/2006/customXml" ds:itemID="{22271091-DDCE-44B5-B608-BB96BCA0C299}">
+<ds:datastoreItem xmlns:ds="http://schemas.openxmlformats.org/officeDocument/2006/customXml" ds:itemID="{925928FA-66B2-4992-9AF7-6AAB34665E06}">
   <ds:schemaRefs>
     <ds:schemaRef ds:uri="http://schemas.microsoft.com/VisualStudio/2011/storyboarding/control"/>
   </ds:schemaRefs>
